--- a/main/presentation.pptx
+++ b/main/presentation.pptx
@@ -6,9 +6,10 @@
   </p:sldMasterIdLst>
   <p:sldIdLst>
     <p:sldId id="256" r:id="rId2"/>
-    <p:sldId id="257" r:id="rId3"/>
-    <p:sldId id="258" r:id="rId4"/>
-    <p:sldId id="259" r:id="rId5"/>
+    <p:sldId id="260" r:id="rId3"/>
+    <p:sldId id="257" r:id="rId4"/>
+    <p:sldId id="258" r:id="rId5"/>
+    <p:sldId id="259" r:id="rId6"/>
   </p:sldIdLst>
   <p:sldSz cx="12192000" cy="6858000"/>
   <p:notesSz cx="6858000" cy="9144000"/>
@@ -262,7 +263,7 @@
           <a:p>
             <a:fld id="{05D39BE2-954A-4535-BF5A-27DEC6DBB93D}" type="datetimeFigureOut">
               <a:rPr lang="fr-FR" smtClean="0"/>
-              <a:t>15/12/2023</a:t>
+              <a:t>07/01/2024</a:t>
             </a:fld>
             <a:endParaRPr lang="fr-FR"/>
           </a:p>
@@ -460,7 +461,7 @@
           <a:p>
             <a:fld id="{05D39BE2-954A-4535-BF5A-27DEC6DBB93D}" type="datetimeFigureOut">
               <a:rPr lang="fr-FR" smtClean="0"/>
-              <a:t>15/12/2023</a:t>
+              <a:t>07/01/2024</a:t>
             </a:fld>
             <a:endParaRPr lang="fr-FR"/>
           </a:p>
@@ -668,7 +669,7 @@
           <a:p>
             <a:fld id="{05D39BE2-954A-4535-BF5A-27DEC6DBB93D}" type="datetimeFigureOut">
               <a:rPr lang="fr-FR" smtClean="0"/>
-              <a:t>15/12/2023</a:t>
+              <a:t>07/01/2024</a:t>
             </a:fld>
             <a:endParaRPr lang="fr-FR"/>
           </a:p>
@@ -866,7 +867,7 @@
           <a:p>
             <a:fld id="{05D39BE2-954A-4535-BF5A-27DEC6DBB93D}" type="datetimeFigureOut">
               <a:rPr lang="fr-FR" smtClean="0"/>
-              <a:t>15/12/2023</a:t>
+              <a:t>07/01/2024</a:t>
             </a:fld>
             <a:endParaRPr lang="fr-FR"/>
           </a:p>
@@ -1141,7 +1142,7 @@
           <a:p>
             <a:fld id="{05D39BE2-954A-4535-BF5A-27DEC6DBB93D}" type="datetimeFigureOut">
               <a:rPr lang="fr-FR" smtClean="0"/>
-              <a:t>15/12/2023</a:t>
+              <a:t>07/01/2024</a:t>
             </a:fld>
             <a:endParaRPr lang="fr-FR"/>
           </a:p>
@@ -1406,7 +1407,7 @@
           <a:p>
             <a:fld id="{05D39BE2-954A-4535-BF5A-27DEC6DBB93D}" type="datetimeFigureOut">
               <a:rPr lang="fr-FR" smtClean="0"/>
-              <a:t>15/12/2023</a:t>
+              <a:t>07/01/2024</a:t>
             </a:fld>
             <a:endParaRPr lang="fr-FR"/>
           </a:p>
@@ -1818,7 +1819,7 @@
           <a:p>
             <a:fld id="{05D39BE2-954A-4535-BF5A-27DEC6DBB93D}" type="datetimeFigureOut">
               <a:rPr lang="fr-FR" smtClean="0"/>
-              <a:t>15/12/2023</a:t>
+              <a:t>07/01/2024</a:t>
             </a:fld>
             <a:endParaRPr lang="fr-FR"/>
           </a:p>
@@ -1959,7 +1960,7 @@
           <a:p>
             <a:fld id="{05D39BE2-954A-4535-BF5A-27DEC6DBB93D}" type="datetimeFigureOut">
               <a:rPr lang="fr-FR" smtClean="0"/>
-              <a:t>15/12/2023</a:t>
+              <a:t>07/01/2024</a:t>
             </a:fld>
             <a:endParaRPr lang="fr-FR"/>
           </a:p>
@@ -2072,7 +2073,7 @@
           <a:p>
             <a:fld id="{05D39BE2-954A-4535-BF5A-27DEC6DBB93D}" type="datetimeFigureOut">
               <a:rPr lang="fr-FR" smtClean="0"/>
-              <a:t>15/12/2023</a:t>
+              <a:t>07/01/2024</a:t>
             </a:fld>
             <a:endParaRPr lang="fr-FR"/>
           </a:p>
@@ -2383,7 +2384,7 @@
           <a:p>
             <a:fld id="{05D39BE2-954A-4535-BF5A-27DEC6DBB93D}" type="datetimeFigureOut">
               <a:rPr lang="fr-FR" smtClean="0"/>
-              <a:t>15/12/2023</a:t>
+              <a:t>07/01/2024</a:t>
             </a:fld>
             <a:endParaRPr lang="fr-FR"/>
           </a:p>
@@ -2671,7 +2672,7 @@
           <a:p>
             <a:fld id="{05D39BE2-954A-4535-BF5A-27DEC6DBB93D}" type="datetimeFigureOut">
               <a:rPr lang="fr-FR" smtClean="0"/>
-              <a:t>15/12/2023</a:t>
+              <a:t>07/01/2024</a:t>
             </a:fld>
             <a:endParaRPr lang="fr-FR"/>
           </a:p>
@@ -2912,7 +2913,7 @@
           <a:p>
             <a:fld id="{05D39BE2-954A-4535-BF5A-27DEC6DBB93D}" type="datetimeFigureOut">
               <a:rPr lang="fr-FR" smtClean="0"/>
-              <a:t>15/12/2023</a:t>
+              <a:t>07/01/2024</a:t>
             </a:fld>
             <a:endParaRPr lang="fr-FR"/>
           </a:p>
@@ -3890,7 +3891,7 @@
           <a:p>
             <a:pPr algn="l"/>
             <a:r>
-              <a:rPr lang="fr-FR" sz="4600">
+              <a:rPr lang="fr-FR" sz="4600" dirty="0">
                 <a:latin typeface="Comic Sans MS" panose="030F0702030302020204" pitchFamily="66" charset="0"/>
               </a:rPr>
               <a:t>Projet de résolution de labyrinthe automatiquement</a:t>
@@ -4320,7 +4321,7 @@
           <p:cNvPr id="2" name="Titre 1">
             <a:extLst>
               <a:ext uri="{FF2B5EF4-FFF2-40B4-BE49-F238E27FC236}">
-                <a16:creationId xmlns:a16="http://schemas.microsoft.com/office/drawing/2014/main" id="{BF189FB0-797C-E635-C8CF-C894334C6B9A}"/>
+                <a16:creationId xmlns:a16="http://schemas.microsoft.com/office/drawing/2014/main" id="{A3685C37-A917-6F77-FA3C-7E4C782BAE1F}"/>
               </a:ext>
             </a:extLst>
           </p:cNvPr>
@@ -4334,7 +4335,7 @@
         <p:spPr>
           <a:xfrm>
             <a:off x="0" y="0"/>
-            <a:ext cx="8794196" cy="1325563"/>
+            <a:ext cx="10515600" cy="1325563"/>
           </a:xfrm>
         </p:spPr>
         <p:txBody>
@@ -4342,8 +4343,10 @@
           <a:lstStyle/>
           <a:p>
             <a:r>
-              <a:rPr lang="fr-FR" dirty="0"/>
-              <a:t>Méthode de résolutions principales</a:t>
+              <a:rPr lang="fr-FR" dirty="0">
+                <a:latin typeface="Comic Sans MS" panose="030F0702030302020204" pitchFamily="66" charset="0"/>
+              </a:rPr>
+              <a:t>sommaire</a:t>
             </a:r>
           </a:p>
         </p:txBody>
@@ -4353,7 +4356,7 @@
           <p:cNvPr id="3" name="Espace réservé du contenu 2">
             <a:extLst>
               <a:ext uri="{FF2B5EF4-FFF2-40B4-BE49-F238E27FC236}">
-                <a16:creationId xmlns:a16="http://schemas.microsoft.com/office/drawing/2014/main" id="{F6524D79-C93E-C8E0-DB22-A9BF27CF1754}"/>
+                <a16:creationId xmlns:a16="http://schemas.microsoft.com/office/drawing/2014/main" id="{57C86A00-7EE3-1E6E-121A-A50DFACD4F2C}"/>
               </a:ext>
             </a:extLst>
           </p:cNvPr>
@@ -4364,180 +4367,21 @@
             <p:ph idx="1"/>
           </p:nvPr>
         </p:nvSpPr>
-        <p:spPr>
-          <a:xfrm>
-            <a:off x="0" y="1270342"/>
-            <a:ext cx="8616226" cy="5587658"/>
-          </a:xfrm>
-        </p:spPr>
+        <p:spPr/>
         <p:txBody>
           <a:bodyPr/>
           <a:lstStyle/>
           <a:p>
-            <a:r>
-              <a:rPr lang="fr-FR" dirty="0"/>
-              <a:t>Par tracé direct</a:t>
-            </a:r>
-          </a:p>
-          <a:p>
-            <a:pPr lvl="1"/>
-            <a:r>
-              <a:rPr lang="fr-FR" dirty="0"/>
-              <a:t>On trace une ligne qui n’est pas réellement présente</a:t>
-            </a:r>
-          </a:p>
-          <a:p>
-            <a:pPr marL="457200" lvl="1" indent="0">
-              <a:buNone/>
-            </a:pPr>
-            <a:r>
-              <a:rPr lang="fr-FR" dirty="0"/>
-              <a:t>Puis on contourne les murs en choisissant le coté le plus court</a:t>
-            </a:r>
-          </a:p>
-          <a:p>
-            <a:r>
-              <a:rPr lang="fr-FR" dirty="0"/>
-              <a:t>En suivant un coté</a:t>
-            </a:r>
-          </a:p>
-          <a:p>
-            <a:pPr lvl="1"/>
-            <a:r>
-              <a:rPr lang="fr-FR" dirty="0"/>
-              <a:t>On tourne et on avance jusqu’à trouver la sortie</a:t>
-            </a:r>
-          </a:p>
-          <a:p>
-            <a:pPr marL="457200" lvl="1" indent="0">
-              <a:buNone/>
-            </a:pPr>
-            <a:r>
-              <a:rPr lang="fr-FR" dirty="0"/>
-              <a:t>On cherche ensuite le chemin le plus court</a:t>
-            </a:r>
-          </a:p>
-          <a:p>
-            <a:r>
-              <a:rPr lang="fr-FR" dirty="0"/>
-              <a:t>En commençant par la sortie </a:t>
-            </a:r>
-          </a:p>
-          <a:p>
-            <a:r>
-              <a:rPr lang="fr-FR" dirty="0"/>
-              <a:t>Par valeur de choix</a:t>
-            </a:r>
-          </a:p>
-          <a:p>
-            <a:pPr lvl="1"/>
-            <a:r>
-              <a:rPr lang="fr-FR" dirty="0"/>
-              <a:t>Plus les déplacements sont proches de la sortie et plus</a:t>
-            </a:r>
-          </a:p>
-          <a:p>
-            <a:pPr marL="457200" lvl="1" indent="0">
-              <a:buNone/>
-            </a:pPr>
-            <a:r>
-              <a:rPr lang="fr-FR" dirty="0"/>
-              <a:t>Le programme sera valorisé.</a:t>
-            </a:r>
-          </a:p>
-          <a:p>
-            <a:pPr marL="457200" lvl="1" indent="0">
-              <a:buNone/>
-            </a:pPr>
-            <a:r>
-              <a:rPr lang="fr-FR" dirty="0"/>
-              <a:t>(permet de connaitre si on s’éloigne ou si on se rapproche, si on ne possède pas toute la visibilité)</a:t>
-            </a:r>
-          </a:p>
-          <a:p>
-            <a:pPr marL="0" indent="0">
-              <a:buNone/>
-            </a:pPr>
-            <a:endParaRPr lang="fr-FR" dirty="0"/>
-          </a:p>
-        </p:txBody>
-      </p:sp>
-      <p:pic>
-        <p:nvPicPr>
-          <p:cNvPr id="5" name="Image 4" descr="Une image contenant motif, Symétrie, Rectangle, carré&#10;&#10;Description générée automatiquement">
-            <a:extLst>
-              <a:ext uri="{FF2B5EF4-FFF2-40B4-BE49-F238E27FC236}">
-                <a16:creationId xmlns:a16="http://schemas.microsoft.com/office/drawing/2014/main" id="{716FD2D8-674A-27C8-3B5C-F6852FD5C7E6}"/>
-              </a:ext>
-            </a:extLst>
-          </p:cNvPr>
-          <p:cNvPicPr>
-            <a:picLocks noChangeAspect="1"/>
-          </p:cNvPicPr>
-          <p:nvPr/>
-        </p:nvPicPr>
-        <p:blipFill>
-          <a:blip r:embed="rId2">
-            <a:extLst>
-              <a:ext uri="{28A0092B-C50C-407E-A947-70E740481C1C}">
-                <a14:useLocalDpi xmlns:a14="http://schemas.microsoft.com/office/drawing/2010/main" val="0"/>
-              </a:ext>
-            </a:extLst>
-          </a:blip>
-          <a:stretch>
-            <a:fillRect/>
-          </a:stretch>
-        </p:blipFill>
-        <p:spPr>
-          <a:xfrm>
-            <a:off x="8722071" y="3445290"/>
-            <a:ext cx="3469929" cy="3412710"/>
-          </a:xfrm>
-          <a:prstGeom prst="rect">
-            <a:avLst/>
-          </a:prstGeom>
-        </p:spPr>
-      </p:pic>
-      <p:pic>
-        <p:nvPicPr>
-          <p:cNvPr id="7" name="Image 6" descr="Une image contenant diagramme, motif, ligne, Plan&#10;&#10;Description générée automatiquement">
-            <a:extLst>
-              <a:ext uri="{FF2B5EF4-FFF2-40B4-BE49-F238E27FC236}">
-                <a16:creationId xmlns:a16="http://schemas.microsoft.com/office/drawing/2014/main" id="{9F3CF5BB-5869-2406-71E9-88D5DB8DE65A}"/>
-              </a:ext>
-            </a:extLst>
-          </p:cNvPr>
-          <p:cNvPicPr>
-            <a:picLocks noChangeAspect="1"/>
-          </p:cNvPicPr>
-          <p:nvPr/>
-        </p:nvPicPr>
-        <p:blipFill>
-          <a:blip r:embed="rId3">
-            <a:extLst>
-              <a:ext uri="{28A0092B-C50C-407E-A947-70E740481C1C}">
-                <a14:useLocalDpi xmlns:a14="http://schemas.microsoft.com/office/drawing/2010/main" val="0"/>
-              </a:ext>
-            </a:extLst>
-          </a:blip>
-          <a:stretch>
-            <a:fillRect/>
-          </a:stretch>
-        </p:blipFill>
-        <p:spPr>
-          <a:xfrm>
-            <a:off x="9223780" y="0"/>
-            <a:ext cx="2968220" cy="3441414"/>
-          </a:xfrm>
-          <a:prstGeom prst="rect">
-            <a:avLst/>
-          </a:prstGeom>
-        </p:spPr>
-      </p:pic>
+            <a:endParaRPr lang="fr-FR" dirty="0">
+              <a:latin typeface="Comic Sans MS" panose="030F0702030302020204" pitchFamily="66" charset="0"/>
+            </a:endParaRPr>
+          </a:p>
+        </p:txBody>
+      </p:sp>
     </p:spTree>
     <p:extLst>
       <p:ext uri="{BB962C8B-B14F-4D97-AF65-F5344CB8AC3E}">
-        <p14:creationId xmlns:p14="http://schemas.microsoft.com/office/powerpoint/2010/main" val="1789098605"/>
+        <p14:creationId xmlns:p14="http://schemas.microsoft.com/office/powerpoint/2010/main" val="2625245814"/>
       </p:ext>
     </p:extLst>
   </p:cSld>
@@ -4569,7 +4413,7 @@
           <p:cNvPr id="2" name="Titre 1">
             <a:extLst>
               <a:ext uri="{FF2B5EF4-FFF2-40B4-BE49-F238E27FC236}">
-                <a16:creationId xmlns:a16="http://schemas.microsoft.com/office/drawing/2014/main" id="{313A3A2D-FAF8-9DCC-A9C6-6EEFF7AB9893}"/>
+                <a16:creationId xmlns:a16="http://schemas.microsoft.com/office/drawing/2014/main" id="{BF189FB0-797C-E635-C8CF-C894334C6B9A}"/>
               </a:ext>
             </a:extLst>
           </p:cNvPr>
@@ -4580,69 +4424,218 @@
             <p:ph type="title"/>
           </p:nvPr>
         </p:nvSpPr>
-        <p:spPr/>
+        <p:spPr>
+          <a:xfrm>
+            <a:off x="0" y="0"/>
+            <a:ext cx="8794196" cy="1325563"/>
+          </a:xfrm>
+        </p:spPr>
+        <p:txBody>
+          <a:bodyPr>
+            <a:normAutofit/>
+          </a:bodyPr>
+          <a:lstStyle/>
+          <a:p>
+            <a:r>
+              <a:rPr lang="fr-FR" sz="4000" dirty="0">
+                <a:latin typeface="Comic Sans MS" panose="030F0702030302020204" pitchFamily="66" charset="0"/>
+              </a:rPr>
+              <a:t>Méthode de résolutions principales</a:t>
+            </a:r>
+          </a:p>
+        </p:txBody>
+      </p:sp>
+      <p:sp>
+        <p:nvSpPr>
+          <p:cNvPr id="3" name="Espace réservé du contenu 2">
+            <a:extLst>
+              <a:ext uri="{FF2B5EF4-FFF2-40B4-BE49-F238E27FC236}">
+                <a16:creationId xmlns:a16="http://schemas.microsoft.com/office/drawing/2014/main" id="{F6524D79-C93E-C8E0-DB22-A9BF27CF1754}"/>
+              </a:ext>
+            </a:extLst>
+          </p:cNvPr>
+          <p:cNvSpPr>
+            <a:spLocks noGrp="1"/>
+          </p:cNvSpPr>
+          <p:nvPr>
+            <p:ph idx="1"/>
+          </p:nvPr>
+        </p:nvSpPr>
+        <p:spPr>
+          <a:xfrm>
+            <a:off x="0" y="1270342"/>
+            <a:ext cx="8616226" cy="5587658"/>
+          </a:xfrm>
+        </p:spPr>
         <p:txBody>
           <a:bodyPr/>
           <a:lstStyle/>
           <a:p>
             <a:r>
-              <a:rPr lang="fr-FR" dirty="0"/>
-              <a:t>Variables nécessaires</a:t>
-            </a:r>
-          </a:p>
-        </p:txBody>
-      </p:sp>
-      <p:sp>
-        <p:nvSpPr>
-          <p:cNvPr id="3" name="Espace réservé du contenu 2">
-            <a:extLst>
-              <a:ext uri="{FF2B5EF4-FFF2-40B4-BE49-F238E27FC236}">
-                <a16:creationId xmlns:a16="http://schemas.microsoft.com/office/drawing/2014/main" id="{87A703C2-1389-44C5-69FA-3C0D8E7F911A}"/>
-              </a:ext>
-            </a:extLst>
-          </p:cNvPr>
-          <p:cNvSpPr>
-            <a:spLocks noGrp="1"/>
-          </p:cNvSpPr>
-          <p:nvPr>
-            <p:ph idx="1"/>
-          </p:nvPr>
-        </p:nvSpPr>
-        <p:spPr/>
-        <p:txBody>
-          <a:bodyPr/>
-          <a:lstStyle/>
-          <a:p>
-            <a:r>
-              <a:rPr lang="fr-FR" dirty="0"/>
-              <a:t>Matrice dynamique pour les emplacements sur la carte</a:t>
-            </a:r>
-          </a:p>
-          <a:p>
-            <a:r>
-              <a:rPr lang="fr-FR" dirty="0"/>
-              <a:t>Liste chainée pour le chemin et les coordonnées</a:t>
-            </a:r>
-          </a:p>
-          <a:p>
-            <a:r>
-              <a:rPr lang="fr-FR" dirty="0"/>
-              <a:t>Files ou piles supplémentaire si nécessaire en fonction de la demande</a:t>
+              <a:rPr lang="fr-FR" dirty="0">
+                <a:latin typeface="Comic Sans MS" panose="030F0702030302020204" pitchFamily="66" charset="0"/>
+              </a:rPr>
+              <a:t>En suivant un coté</a:t>
             </a:r>
           </a:p>
           <a:p>
             <a:pPr lvl="1"/>
             <a:r>
-              <a:rPr lang="fr-FR" dirty="0"/>
-              <a:t>(utile surtout pour les threads)</a:t>
-            </a:r>
-          </a:p>
-        </p:txBody>
-      </p:sp>
+              <a:rPr lang="fr-FR" dirty="0">
+                <a:latin typeface="Comic Sans MS" panose="030F0702030302020204" pitchFamily="66" charset="0"/>
+              </a:rPr>
+              <a:t>On tourne et on avance jusqu’à trouver la sortie</a:t>
+            </a:r>
+          </a:p>
+          <a:p>
+            <a:pPr marL="457200" lvl="1" indent="0">
+              <a:buNone/>
+            </a:pPr>
+            <a:r>
+              <a:rPr lang="fr-FR" dirty="0">
+                <a:latin typeface="Comic Sans MS" panose="030F0702030302020204" pitchFamily="66" charset="0"/>
+              </a:rPr>
+              <a:t>On cherche ensuite le chemin le plus court</a:t>
+            </a:r>
+          </a:p>
+          <a:p>
+            <a:r>
+              <a:rPr lang="fr-FR" dirty="0">
+                <a:latin typeface="Comic Sans MS" panose="030F0702030302020204" pitchFamily="66" charset="0"/>
+              </a:rPr>
+              <a:t>En commençant par la sortie </a:t>
+            </a:r>
+          </a:p>
+          <a:p>
+            <a:r>
+              <a:rPr lang="fr-FR" dirty="0">
+                <a:latin typeface="Comic Sans MS" panose="030F0702030302020204" pitchFamily="66" charset="0"/>
+              </a:rPr>
+              <a:t>Par valeur de choix</a:t>
+            </a:r>
+          </a:p>
+          <a:p>
+            <a:pPr lvl="1"/>
+            <a:r>
+              <a:rPr lang="fr-FR" dirty="0">
+                <a:latin typeface="Comic Sans MS" panose="030F0702030302020204" pitchFamily="66" charset="0"/>
+              </a:rPr>
+              <a:t>Plus les déplacements sont proches </a:t>
+            </a:r>
+          </a:p>
+          <a:p>
+            <a:pPr marL="457200" lvl="1" indent="0">
+              <a:buNone/>
+            </a:pPr>
+            <a:r>
+              <a:rPr lang="fr-FR" dirty="0">
+                <a:latin typeface="Comic Sans MS" panose="030F0702030302020204" pitchFamily="66" charset="0"/>
+              </a:rPr>
+              <a:t>de la sortie et plus le programme sera valorisé.</a:t>
+            </a:r>
+          </a:p>
+          <a:p>
+            <a:pPr marL="457200" lvl="1" indent="0">
+              <a:buNone/>
+            </a:pPr>
+            <a:r>
+              <a:rPr lang="fr-FR" dirty="0">
+                <a:latin typeface="Comic Sans MS" panose="030F0702030302020204" pitchFamily="66" charset="0"/>
+              </a:rPr>
+              <a:t>(permet de connaitre si on s’éloigne ou si on se rapproche, si on ne possède pas toute la visibilité)</a:t>
+            </a:r>
+          </a:p>
+          <a:p>
+            <a:r>
+              <a:rPr lang="fr-FR" dirty="0">
+                <a:latin typeface="Comic Sans MS" panose="030F0702030302020204" pitchFamily="66" charset="0"/>
+              </a:rPr>
+              <a:t>Avec DFS (</a:t>
+            </a:r>
+            <a:r>
+              <a:rPr lang="fr-FR" dirty="0" err="1">
+                <a:latin typeface="Comic Sans MS" panose="030F0702030302020204" pitchFamily="66" charset="0"/>
+              </a:rPr>
+              <a:t>depth</a:t>
+            </a:r>
+            <a:r>
+              <a:rPr lang="fr-FR" dirty="0">
+                <a:latin typeface="Comic Sans MS" panose="030F0702030302020204" pitchFamily="66" charset="0"/>
+              </a:rPr>
+              <a:t> first </a:t>
+            </a:r>
+            <a:r>
+              <a:rPr lang="fr-FR" dirty="0" err="1">
+                <a:latin typeface="Comic Sans MS" panose="030F0702030302020204" pitchFamily="66" charset="0"/>
+              </a:rPr>
+              <a:t>seach</a:t>
+            </a:r>
+            <a:r>
+              <a:rPr lang="fr-FR" dirty="0">
+                <a:latin typeface="Comic Sans MS" panose="030F0702030302020204" pitchFamily="66" charset="0"/>
+              </a:rPr>
+              <a:t>) (optionnel)</a:t>
+            </a:r>
+          </a:p>
+          <a:p>
+            <a:pPr lvl="1"/>
+            <a:r>
+              <a:rPr lang="fr-FR" dirty="0">
+                <a:latin typeface="Comic Sans MS" panose="030F0702030302020204" pitchFamily="66" charset="0"/>
+              </a:rPr>
+              <a:t>ou algorithme de recherche en profondeur</a:t>
+            </a:r>
+          </a:p>
+          <a:p>
+            <a:pPr marL="0" indent="0">
+              <a:buNone/>
+            </a:pPr>
+            <a:endParaRPr lang="fr-FR" dirty="0">
+              <a:latin typeface="Comic Sans MS" panose="030F0702030302020204" pitchFamily="66" charset="0"/>
+            </a:endParaRPr>
+          </a:p>
+        </p:txBody>
+      </p:sp>
+      <p:pic>
+        <p:nvPicPr>
+          <p:cNvPr id="5" name="Image 4" descr="Une image contenant motif, Symétrie, Rectangle, carré&#10;&#10;Description générée automatiquement">
+            <a:extLst>
+              <a:ext uri="{FF2B5EF4-FFF2-40B4-BE49-F238E27FC236}">
+                <a16:creationId xmlns:a16="http://schemas.microsoft.com/office/drawing/2014/main" id="{716FD2D8-674A-27C8-3B5C-F6852FD5C7E6}"/>
+              </a:ext>
+            </a:extLst>
+          </p:cNvPr>
+          <p:cNvPicPr>
+            <a:picLocks noChangeAspect="1"/>
+          </p:cNvPicPr>
+          <p:nvPr/>
+        </p:nvPicPr>
+        <p:blipFill>
+          <a:blip r:embed="rId2">
+            <a:extLst>
+              <a:ext uri="{28A0092B-C50C-407E-A947-70E740481C1C}">
+                <a14:useLocalDpi xmlns:a14="http://schemas.microsoft.com/office/drawing/2010/main" val="0"/>
+              </a:ext>
+            </a:extLst>
+          </a:blip>
+          <a:stretch>
+            <a:fillRect/>
+          </a:stretch>
+        </p:blipFill>
+        <p:spPr>
+          <a:xfrm>
+            <a:off x="7697207" y="1008936"/>
+            <a:ext cx="4494793" cy="4420674"/>
+          </a:xfrm>
+          <a:prstGeom prst="rect">
+            <a:avLst/>
+          </a:prstGeom>
+        </p:spPr>
+      </p:pic>
     </p:spTree>
     <p:extLst>
       <p:ext uri="{BB962C8B-B14F-4D97-AF65-F5344CB8AC3E}">
-        <p14:creationId xmlns:p14="http://schemas.microsoft.com/office/powerpoint/2010/main" val="2895738465"/>
+        <p14:creationId xmlns:p14="http://schemas.microsoft.com/office/powerpoint/2010/main" val="1789098605"/>
       </p:ext>
     </p:extLst>
   </p:cSld>
@@ -4669,6 +4662,111 @@
           <a:chExt cx="0" cy="0"/>
         </a:xfrm>
       </p:grpSpPr>
+      <p:sp>
+        <p:nvSpPr>
+          <p:cNvPr id="2" name="Titre 1">
+            <a:extLst>
+              <a:ext uri="{FF2B5EF4-FFF2-40B4-BE49-F238E27FC236}">
+                <a16:creationId xmlns:a16="http://schemas.microsoft.com/office/drawing/2014/main" id="{313A3A2D-FAF8-9DCC-A9C6-6EEFF7AB9893}"/>
+              </a:ext>
+            </a:extLst>
+          </p:cNvPr>
+          <p:cNvSpPr>
+            <a:spLocks noGrp="1"/>
+          </p:cNvSpPr>
+          <p:nvPr>
+            <p:ph type="title"/>
+          </p:nvPr>
+        </p:nvSpPr>
+        <p:spPr/>
+        <p:txBody>
+          <a:bodyPr/>
+          <a:lstStyle/>
+          <a:p>
+            <a:r>
+              <a:rPr lang="fr-FR" dirty="0"/>
+              <a:t>Types Variables nécessaires</a:t>
+            </a:r>
+          </a:p>
+        </p:txBody>
+      </p:sp>
+      <p:sp>
+        <p:nvSpPr>
+          <p:cNvPr id="3" name="Espace réservé du contenu 2">
+            <a:extLst>
+              <a:ext uri="{FF2B5EF4-FFF2-40B4-BE49-F238E27FC236}">
+                <a16:creationId xmlns:a16="http://schemas.microsoft.com/office/drawing/2014/main" id="{87A703C2-1389-44C5-69FA-3C0D8E7F911A}"/>
+              </a:ext>
+            </a:extLst>
+          </p:cNvPr>
+          <p:cNvSpPr>
+            <a:spLocks noGrp="1"/>
+          </p:cNvSpPr>
+          <p:nvPr>
+            <p:ph idx="1"/>
+          </p:nvPr>
+        </p:nvSpPr>
+        <p:spPr/>
+        <p:txBody>
+          <a:bodyPr/>
+          <a:lstStyle/>
+          <a:p>
+            <a:r>
+              <a:rPr lang="fr-FR" dirty="0"/>
+              <a:t>Matrice dynamique pour les emplacements sur la carte</a:t>
+            </a:r>
+          </a:p>
+          <a:p>
+            <a:r>
+              <a:rPr lang="fr-FR" dirty="0"/>
+              <a:t>Liste chainée pour le chemin et les coordonnées</a:t>
+            </a:r>
+          </a:p>
+          <a:p>
+            <a:r>
+              <a:rPr lang="fr-FR" dirty="0"/>
+              <a:t>Files ou piles supplémentaire si nécessaire en fonction de la demande</a:t>
+            </a:r>
+          </a:p>
+          <a:p>
+            <a:pPr lvl="1"/>
+            <a:r>
+              <a:rPr lang="fr-FR" dirty="0"/>
+              <a:t>(utile surtout pour les threads si c’est implémenté)</a:t>
+            </a:r>
+          </a:p>
+        </p:txBody>
+      </p:sp>
+    </p:spTree>
+    <p:extLst>
+      <p:ext uri="{BB962C8B-B14F-4D97-AF65-F5344CB8AC3E}">
+        <p14:creationId xmlns:p14="http://schemas.microsoft.com/office/powerpoint/2010/main" val="2895738465"/>
+      </p:ext>
+    </p:extLst>
+  </p:cSld>
+  <p:clrMapOvr>
+    <a:masterClrMapping/>
+  </p:clrMapOvr>
+</p:sld>
+</file>
+
+<file path=ppt/slides/slide5.xml><?xml version="1.0" encoding="utf-8"?>
+<p:sld xmlns:a="http://schemas.openxmlformats.org/drawingml/2006/main" xmlns:r="http://schemas.openxmlformats.org/officeDocument/2006/relationships" xmlns:p="http://schemas.openxmlformats.org/presentationml/2006/main">
+  <p:cSld>
+    <p:spTree>
+      <p:nvGrpSpPr>
+        <p:cNvPr id="1" name=""/>
+        <p:cNvGrpSpPr/>
+        <p:nvPr/>
+      </p:nvGrpSpPr>
+      <p:grpSpPr>
+        <a:xfrm>
+          <a:off x="0" y="0"/>
+          <a:ext cx="0" cy="0"/>
+          <a:chOff x="0" y="0"/>
+          <a:chExt cx="0" cy="0"/>
+        </a:xfrm>
+      </p:grpSpPr>
       <p:pic>
         <p:nvPicPr>
           <p:cNvPr id="7" name="Image 6" descr="Une image contenant texte, capture d’écran, ligne, Police&#10;&#10;Description générée automatiquement">
@@ -4697,7 +4795,7 @@
         </p:blipFill>
         <p:spPr>
           <a:xfrm>
-            <a:off x="-1" y="-1"/>
+            <a:off x="0" y="-42959"/>
             <a:ext cx="5326841" cy="6855413"/>
           </a:xfrm>
           <a:prstGeom prst="rect">
@@ -5171,6 +5269,211 @@
           <a:p>
             <a:pPr lvl="1"/>
             <a:endParaRPr lang="fr-FR" dirty="0"/>
+          </a:p>
+        </p:txBody>
+      </p:sp>
+      <p:sp>
+        <p:nvSpPr>
+          <p:cNvPr id="4" name="Espace réservé du contenu 2">
+            <a:extLst>
+              <a:ext uri="{FF2B5EF4-FFF2-40B4-BE49-F238E27FC236}">
+                <a16:creationId xmlns:a16="http://schemas.microsoft.com/office/drawing/2014/main" id="{6D5E6D5B-8204-45B0-4274-DA73FE912172}"/>
+              </a:ext>
+            </a:extLst>
+          </p:cNvPr>
+          <p:cNvSpPr txBox="1">
+            <a:spLocks/>
+          </p:cNvSpPr>
+          <p:nvPr/>
+        </p:nvSpPr>
+        <p:spPr>
+          <a:xfrm>
+            <a:off x="380488" y="552970"/>
+            <a:ext cx="3890803" cy="428289"/>
+          </a:xfrm>
+          <a:prstGeom prst="rect">
+            <a:avLst/>
+          </a:prstGeom>
+          <a:ln>
+            <a:noFill/>
+          </a:ln>
+        </p:spPr>
+        <p:txBody>
+          <a:bodyPr vert="horz" lIns="91440" tIns="45720" rIns="91440" bIns="45720" rtlCol="0">
+            <a:normAutofit/>
+          </a:bodyPr>
+          <a:lstStyle>
+            <a:lvl1pPr marL="228600" indent="-228600" algn="l" defTabSz="914400" rtl="0" eaLnBrk="1" latinLnBrk="0" hangingPunct="1">
+              <a:lnSpc>
+                <a:spcPct val="90000"/>
+              </a:lnSpc>
+              <a:spcBef>
+                <a:spcPts val="1000"/>
+              </a:spcBef>
+              <a:buFont typeface="Arial" panose="020B0604020202020204" pitchFamily="34" charset="0"/>
+              <a:buChar char="•"/>
+              <a:defRPr sz="2800" kern="1200">
+                <a:solidFill>
+                  <a:schemeClr val="tx1"/>
+                </a:solidFill>
+                <a:latin typeface="+mn-lt"/>
+                <a:ea typeface="+mn-ea"/>
+                <a:cs typeface="+mn-cs"/>
+              </a:defRPr>
+            </a:lvl1pPr>
+            <a:lvl2pPr marL="685800" indent="-228600" algn="l" defTabSz="914400" rtl="0" eaLnBrk="1" latinLnBrk="0" hangingPunct="1">
+              <a:lnSpc>
+                <a:spcPct val="90000"/>
+              </a:lnSpc>
+              <a:spcBef>
+                <a:spcPts val="500"/>
+              </a:spcBef>
+              <a:buFont typeface="Arial" panose="020B0604020202020204" pitchFamily="34" charset="0"/>
+              <a:buChar char="•"/>
+              <a:defRPr sz="2400" kern="1200">
+                <a:solidFill>
+                  <a:schemeClr val="tx1"/>
+                </a:solidFill>
+                <a:latin typeface="+mn-lt"/>
+                <a:ea typeface="+mn-ea"/>
+                <a:cs typeface="+mn-cs"/>
+              </a:defRPr>
+            </a:lvl2pPr>
+            <a:lvl3pPr marL="1143000" indent="-228600" algn="l" defTabSz="914400" rtl="0" eaLnBrk="1" latinLnBrk="0" hangingPunct="1">
+              <a:lnSpc>
+                <a:spcPct val="90000"/>
+              </a:lnSpc>
+              <a:spcBef>
+                <a:spcPts val="500"/>
+              </a:spcBef>
+              <a:buFont typeface="Arial" panose="020B0604020202020204" pitchFamily="34" charset="0"/>
+              <a:buChar char="•"/>
+              <a:defRPr sz="2000" kern="1200">
+                <a:solidFill>
+                  <a:schemeClr val="tx1"/>
+                </a:solidFill>
+                <a:latin typeface="+mn-lt"/>
+                <a:ea typeface="+mn-ea"/>
+                <a:cs typeface="+mn-cs"/>
+              </a:defRPr>
+            </a:lvl3pPr>
+            <a:lvl4pPr marL="1600200" indent="-228600" algn="l" defTabSz="914400" rtl="0" eaLnBrk="1" latinLnBrk="0" hangingPunct="1">
+              <a:lnSpc>
+                <a:spcPct val="90000"/>
+              </a:lnSpc>
+              <a:spcBef>
+                <a:spcPts val="500"/>
+              </a:spcBef>
+              <a:buFont typeface="Arial" panose="020B0604020202020204" pitchFamily="34" charset="0"/>
+              <a:buChar char="•"/>
+              <a:defRPr sz="1800" kern="1200">
+                <a:solidFill>
+                  <a:schemeClr val="tx1"/>
+                </a:solidFill>
+                <a:latin typeface="+mn-lt"/>
+                <a:ea typeface="+mn-ea"/>
+                <a:cs typeface="+mn-cs"/>
+              </a:defRPr>
+            </a:lvl4pPr>
+            <a:lvl5pPr marL="2057400" indent="-228600" algn="l" defTabSz="914400" rtl="0" eaLnBrk="1" latinLnBrk="0" hangingPunct="1">
+              <a:lnSpc>
+                <a:spcPct val="90000"/>
+              </a:lnSpc>
+              <a:spcBef>
+                <a:spcPts val="500"/>
+              </a:spcBef>
+              <a:buFont typeface="Arial" panose="020B0604020202020204" pitchFamily="34" charset="0"/>
+              <a:buChar char="•"/>
+              <a:defRPr sz="1800" kern="1200">
+                <a:solidFill>
+                  <a:schemeClr val="tx1"/>
+                </a:solidFill>
+                <a:latin typeface="+mn-lt"/>
+                <a:ea typeface="+mn-ea"/>
+                <a:cs typeface="+mn-cs"/>
+              </a:defRPr>
+            </a:lvl5pPr>
+            <a:lvl6pPr marL="2514600" indent="-228600" algn="l" defTabSz="914400" rtl="0" eaLnBrk="1" latinLnBrk="0" hangingPunct="1">
+              <a:lnSpc>
+                <a:spcPct val="90000"/>
+              </a:lnSpc>
+              <a:spcBef>
+                <a:spcPts val="500"/>
+              </a:spcBef>
+              <a:buFont typeface="Arial" panose="020B0604020202020204" pitchFamily="34" charset="0"/>
+              <a:buChar char="•"/>
+              <a:defRPr sz="1800" kern="1200">
+                <a:solidFill>
+                  <a:schemeClr val="tx1"/>
+                </a:solidFill>
+                <a:latin typeface="+mn-lt"/>
+                <a:ea typeface="+mn-ea"/>
+                <a:cs typeface="+mn-cs"/>
+              </a:defRPr>
+            </a:lvl6pPr>
+            <a:lvl7pPr marL="2971800" indent="-228600" algn="l" defTabSz="914400" rtl="0" eaLnBrk="1" latinLnBrk="0" hangingPunct="1">
+              <a:lnSpc>
+                <a:spcPct val="90000"/>
+              </a:lnSpc>
+              <a:spcBef>
+                <a:spcPts val="500"/>
+              </a:spcBef>
+              <a:buFont typeface="Arial" panose="020B0604020202020204" pitchFamily="34" charset="0"/>
+              <a:buChar char="•"/>
+              <a:defRPr sz="1800" kern="1200">
+                <a:solidFill>
+                  <a:schemeClr val="tx1"/>
+                </a:solidFill>
+                <a:latin typeface="+mn-lt"/>
+                <a:ea typeface="+mn-ea"/>
+                <a:cs typeface="+mn-cs"/>
+              </a:defRPr>
+            </a:lvl7pPr>
+            <a:lvl8pPr marL="3429000" indent="-228600" algn="l" defTabSz="914400" rtl="0" eaLnBrk="1" latinLnBrk="0" hangingPunct="1">
+              <a:lnSpc>
+                <a:spcPct val="90000"/>
+              </a:lnSpc>
+              <a:spcBef>
+                <a:spcPts val="500"/>
+              </a:spcBef>
+              <a:buFont typeface="Arial" panose="020B0604020202020204" pitchFamily="34" charset="0"/>
+              <a:buChar char="•"/>
+              <a:defRPr sz="1800" kern="1200">
+                <a:solidFill>
+                  <a:schemeClr val="tx1"/>
+                </a:solidFill>
+                <a:latin typeface="+mn-lt"/>
+                <a:ea typeface="+mn-ea"/>
+                <a:cs typeface="+mn-cs"/>
+              </a:defRPr>
+            </a:lvl8pPr>
+            <a:lvl9pPr marL="3886200" indent="-228600" algn="l" defTabSz="914400" rtl="0" eaLnBrk="1" latinLnBrk="0" hangingPunct="1">
+              <a:lnSpc>
+                <a:spcPct val="90000"/>
+              </a:lnSpc>
+              <a:spcBef>
+                <a:spcPts val="500"/>
+              </a:spcBef>
+              <a:buFont typeface="Arial" panose="020B0604020202020204" pitchFamily="34" charset="0"/>
+              <a:buChar char="•"/>
+              <a:defRPr sz="1800" kern="1200">
+                <a:solidFill>
+                  <a:schemeClr val="tx1"/>
+                </a:solidFill>
+                <a:latin typeface="+mn-lt"/>
+                <a:ea typeface="+mn-ea"/>
+                <a:cs typeface="+mn-cs"/>
+              </a:defRPr>
+            </a:lvl9pPr>
+          </a:lstStyle>
+          <a:p>
+            <a:pPr marL="457200" lvl="1" indent="0">
+              <a:buNone/>
+            </a:pPr>
+            <a:r>
+              <a:rPr lang="fr-FR" sz="2000" dirty="0"/>
+              <a:t>Supplémentaire (optionnelle)</a:t>
+            </a:r>
           </a:p>
         </p:txBody>
       </p:sp>
